--- a/Приложение для общения «Discussion».pptx
+++ b/Приложение для общения «Discussion».pptx
@@ -3201,7 +3201,25 @@
               <a:rPr lang="ru-RU" sz="1400" dirty="0">
                 <a:latin typeface="Corbel Light" panose="020B0303020204020204" pitchFamily="34" charset="0"/>
               </a:rPr>
-              <a:t>Дата: 11 мая 2021г</a:t>
+              <a:t>Дата: </a:t>
+            </a:r>
+            <a:r>
+              <a:rPr lang="en-US" sz="1400" dirty="0" smtClean="0">
+                <a:latin typeface="Corbel Light" panose="020B0303020204020204" pitchFamily="34" charset="0"/>
+              </a:rPr>
+              <a:t>25</a:t>
+            </a:r>
+            <a:r>
+              <a:rPr lang="ru-RU" sz="1400" dirty="0" smtClean="0">
+                <a:latin typeface="Corbel Light" panose="020B0303020204020204" pitchFamily="34" charset="0"/>
+              </a:rPr>
+              <a:t> </a:t>
+            </a:r>
+            <a:r>
+              <a:rPr lang="ru-RU" sz="1400" dirty="0">
+                <a:latin typeface="Corbel Light" panose="020B0303020204020204" pitchFamily="34" charset="0"/>
+              </a:rPr>
+              <a:t>мая 2021г</a:t>
             </a:r>
             <a:r>
               <a:rPr lang="ru-RU" sz="1400" dirty="0">
